--- a/sample_signal_and_noise.pptx
+++ b/sample_signal_and_noise.pptx
@@ -6,6 +6,9 @@
   </p:sldMasterIdLst>
   <p:sldIdLst>
     <p:sldId id="256" r:id="rId2"/>
+    <p:sldId id="257" r:id="rId3"/>
+    <p:sldId id="258" r:id="rId4"/>
+    <p:sldId id="259" r:id="rId5"/>
   </p:sldIdLst>
   <p:sldSz cx="12192000" cy="6858000"/>
   <p:notesSz cx="6858000" cy="9144000"/>
@@ -3464,9 +3467,11 @@
           <a:prstGeom prst="line">
             <a:avLst/>
           </a:prstGeom>
-          <a:ln w="50800">
+          <a:ln w="31750">
             <a:solidFill>
-              <a:schemeClr val="tx1"/>
+              <a:schemeClr val="bg1">
+                <a:lumMod val="50000"/>
+              </a:schemeClr>
             </a:solidFill>
             <a:headEnd type="none" w="lg" len="sm"/>
             <a:tailEnd type="triangle"/>
@@ -3509,9 +3514,11 @@
           <a:prstGeom prst="line">
             <a:avLst/>
           </a:prstGeom>
-          <a:ln w="50800">
+          <a:ln w="31750">
             <a:solidFill>
-              <a:schemeClr val="tx1"/>
+              <a:schemeClr val="bg1">
+                <a:lumMod val="50000"/>
+              </a:schemeClr>
             </a:solidFill>
             <a:headEnd type="none" w="lg" len="sm"/>
             <a:tailEnd type="triangle"/>
@@ -3646,9 +3653,11 @@
           <a:prstGeom prst="line">
             <a:avLst/>
           </a:prstGeom>
-          <a:ln w="50800">
+          <a:ln w="31750">
             <a:solidFill>
-              <a:schemeClr val="tx1"/>
+              <a:schemeClr val="bg1">
+                <a:lumMod val="50000"/>
+              </a:schemeClr>
             </a:solidFill>
             <a:headEnd type="none" w="lg" len="sm"/>
             <a:tailEnd type="triangle"/>
@@ -3783,9 +3792,11 @@
           <a:prstGeom prst="line">
             <a:avLst/>
           </a:prstGeom>
-          <a:ln w="50800">
+          <a:ln w="31750">
             <a:solidFill>
-              <a:schemeClr val="tx1"/>
+              <a:schemeClr val="bg1">
+                <a:lumMod val="50000"/>
+              </a:schemeClr>
             </a:solidFill>
             <a:headEnd type="none" w="lg" len="sm"/>
             <a:tailEnd type="triangle"/>
@@ -3888,9 +3899,11 @@
           <a:prstGeom prst="line">
             <a:avLst/>
           </a:prstGeom>
-          <a:ln w="50800">
+          <a:ln w="31750">
             <a:solidFill>
-              <a:schemeClr val="tx1"/>
+              <a:schemeClr val="bg1">
+                <a:lumMod val="50000"/>
+              </a:schemeClr>
             </a:solidFill>
             <a:headEnd type="none" w="lg" len="sm"/>
             <a:tailEnd type="triangle"/>
@@ -3926,7 +3939,7 @@
         <p:spPr>
           <a:xfrm>
             <a:off x="2025721" y="89183"/>
-            <a:ext cx="7454758" cy="646331"/>
+            <a:ext cx="7454758" cy="923330"/>
           </a:xfrm>
           <a:prstGeom prst="rect">
             <a:avLst/>
@@ -3947,7 +3960,7 @@
           <a:p>
             <a:r>
               <a:rPr lang="en-US"/>
-              <a:t>know the indetity of f(x) or the source of the noise. </a:t>
+              <a:t>know the indentity of f(x) or the source of the noise though we hope it is random.</a:t>
             </a:r>
           </a:p>
         </p:txBody>
@@ -4031,6 +4044,416 @@
     <p:extLst>
       <p:ext uri="{BB962C8B-B14F-4D97-AF65-F5344CB8AC3E}">
         <p14:creationId xmlns:p14="http://schemas.microsoft.com/office/powerpoint/2010/main" val="3701994043"/>
+      </p:ext>
+    </p:extLst>
+  </p:cSld>
+  <p:clrMapOvr>
+    <a:masterClrMapping/>
+  </p:clrMapOvr>
+</p:sld>
+</file>
+
+<file path=ppt/slides/slide2.xml><?xml version="1.0" encoding="utf-8"?>
+<p:sld xmlns:a="http://schemas.openxmlformats.org/drawingml/2006/main" xmlns:r="http://schemas.openxmlformats.org/officeDocument/2006/relationships" xmlns:p="http://schemas.openxmlformats.org/presentationml/2006/main">
+  <p:cSld>
+    <p:spTree>
+      <p:nvGrpSpPr>
+        <p:cNvPr id="1" name=""/>
+        <p:cNvGrpSpPr/>
+        <p:nvPr/>
+      </p:nvGrpSpPr>
+      <p:grpSpPr>
+        <a:xfrm>
+          <a:off x="0" y="0"/>
+          <a:ext cx="0" cy="0"/>
+          <a:chOff x="0" y="0"/>
+          <a:chExt cx="0" cy="0"/>
+        </a:xfrm>
+      </p:grpSpPr>
+      <p:sp>
+        <p:nvSpPr>
+          <p:cNvPr id="26" name="TextBox 25">
+            <a:extLst>
+              <a:ext uri="{FF2B5EF4-FFF2-40B4-BE49-F238E27FC236}">
+                <a16:creationId xmlns:a16="http://schemas.microsoft.com/office/drawing/2014/main" id="{78FC6C32-41C9-1F4A-89D1-8F7A4654BB7C}"/>
+              </a:ext>
+            </a:extLst>
+          </p:cNvPr>
+          <p:cNvSpPr txBox="1"/>
+          <p:nvPr/>
+        </p:nvSpPr>
+        <p:spPr>
+          <a:xfrm>
+            <a:off x="2418108" y="563644"/>
+            <a:ext cx="3237974" cy="2062103"/>
+          </a:xfrm>
+          <a:prstGeom prst="rect">
+            <a:avLst/>
+          </a:prstGeom>
+          <a:noFill/>
+        </p:spPr>
+        <p:txBody>
+          <a:bodyPr wrap="square" rtlCol="0">
+            <a:spAutoFit/>
+          </a:bodyPr>
+          <a:lstStyle/>
+          <a:p>
+            <a:r>
+              <a:rPr lang="en-US" sz="3200" i="1"/>
+              <a:t>y</a:t>
+            </a:r>
+            <a:r>
+              <a:rPr lang="en-US" sz="3200" i="1" baseline="-25000"/>
+              <a:t>i </a:t>
+            </a:r>
+            <a:r>
+              <a:rPr lang="en-US" sz="3200"/>
+              <a:t>= f(</a:t>
+            </a:r>
+            <a:r>
+              <a:rPr lang="en-US" sz="3200" i="1"/>
+              <a:t>x</a:t>
+            </a:r>
+            <a:r>
+              <a:rPr lang="en-US" sz="3200" i="1" baseline="-25000"/>
+              <a:t>i</a:t>
+            </a:r>
+            <a:r>
+              <a:rPr lang="en-US" sz="3200"/>
+              <a:t>) + e</a:t>
+            </a:r>
+            <a:r>
+              <a:rPr lang="en-US" sz="3200" i="1" baseline="-25000"/>
+              <a:t>i</a:t>
+            </a:r>
+          </a:p>
+          <a:p>
+            <a:r>
+              <a:rPr lang="en-US" sz="3200" i="1"/>
+              <a:t>y</a:t>
+            </a:r>
+            <a:r>
+              <a:rPr lang="en-US" sz="3200" i="1" baseline="-25000"/>
+              <a:t>i </a:t>
+            </a:r>
+            <a:r>
+              <a:rPr lang="en-US" sz="3200"/>
+              <a:t>-</a:t>
+            </a:r>
+            <a:r>
+              <a:rPr lang="en-US" sz="3200" i="1" baseline="-25000"/>
+              <a:t> </a:t>
+            </a:r>
+            <a:r>
+              <a:rPr lang="en-US" sz="3200"/>
+              <a:t>f(</a:t>
+            </a:r>
+            <a:r>
+              <a:rPr lang="en-US" sz="3200" i="1"/>
+              <a:t>x</a:t>
+            </a:r>
+            <a:r>
+              <a:rPr lang="en-US" sz="3200" i="1" baseline="-25000"/>
+              <a:t>i</a:t>
+            </a:r>
+            <a:r>
+              <a:rPr lang="en-US" sz="3200"/>
+              <a:t>) = e</a:t>
+            </a:r>
+            <a:r>
+              <a:rPr lang="en-US" sz="3200" i="1" baseline="-25000"/>
+              <a:t>i</a:t>
+            </a:r>
+          </a:p>
+          <a:p>
+            <a:r>
+              <a:rPr lang="en-US" sz="3200"/>
+              <a:t>e</a:t>
+            </a:r>
+            <a:r>
+              <a:rPr lang="en-US" sz="3200" i="1" baseline="-25000"/>
+              <a:t>i </a:t>
+            </a:r>
+            <a:r>
+              <a:rPr lang="en-US" sz="3200"/>
+              <a:t>= E[(</a:t>
+            </a:r>
+            <a:r>
+              <a:rPr lang="en-US" sz="3200" i="1"/>
+              <a:t>y</a:t>
+            </a:r>
+            <a:r>
+              <a:rPr lang="en-US" sz="3200" i="1" baseline="-25000"/>
+              <a:t>i </a:t>
+            </a:r>
+            <a:r>
+              <a:rPr lang="en-US" sz="3200"/>
+              <a:t>-</a:t>
+            </a:r>
+            <a:r>
+              <a:rPr lang="en-US" sz="3200" i="1" baseline="-25000"/>
+              <a:t> </a:t>
+            </a:r>
+            <a:r>
+              <a:rPr lang="en-US" sz="3200"/>
+              <a:t>f(</a:t>
+            </a:r>
+            <a:r>
+              <a:rPr lang="en-US" sz="3200" i="1"/>
+              <a:t>x</a:t>
+            </a:r>
+            <a:r>
+              <a:rPr lang="en-US" sz="3200" i="1" baseline="-25000"/>
+              <a:t>i</a:t>
+            </a:r>
+            <a:r>
+              <a:rPr lang="en-US" sz="3200"/>
+              <a:t>))]</a:t>
+            </a:r>
+            <a:endParaRPr lang="en-US" sz="3200" i="1" baseline="-25000"/>
+          </a:p>
+          <a:p>
+            <a:endParaRPr lang="en-US" sz="3200"/>
+          </a:p>
+        </p:txBody>
+      </p:sp>
+    </p:spTree>
+    <p:extLst>
+      <p:ext uri="{BB962C8B-B14F-4D97-AF65-F5344CB8AC3E}">
+        <p14:creationId xmlns:p14="http://schemas.microsoft.com/office/powerpoint/2010/main" val="2552730938"/>
+      </p:ext>
+    </p:extLst>
+  </p:cSld>
+  <p:clrMapOvr>
+    <a:masterClrMapping/>
+  </p:clrMapOvr>
+</p:sld>
+</file>
+
+<file path=ppt/slides/slide3.xml><?xml version="1.0" encoding="utf-8"?>
+<p:sld xmlns:a="http://schemas.openxmlformats.org/drawingml/2006/main" xmlns:r="http://schemas.openxmlformats.org/officeDocument/2006/relationships" xmlns:p="http://schemas.openxmlformats.org/presentationml/2006/main">
+  <p:cSld>
+    <p:spTree>
+      <p:nvGrpSpPr>
+        <p:cNvPr id="1" name=""/>
+        <p:cNvGrpSpPr/>
+        <p:nvPr/>
+      </p:nvGrpSpPr>
+      <p:grpSpPr>
+        <a:xfrm>
+          <a:off x="0" y="0"/>
+          <a:ext cx="0" cy="0"/>
+          <a:chOff x="0" y="0"/>
+          <a:chExt cx="0" cy="0"/>
+        </a:xfrm>
+      </p:grpSpPr>
+      <p:pic>
+        <p:nvPicPr>
+          <p:cNvPr id="3" name="Picture 2" descr="Diagram&#10;&#10;Description automatically generated">
+            <a:extLst>
+              <a:ext uri="{FF2B5EF4-FFF2-40B4-BE49-F238E27FC236}">
+                <a16:creationId xmlns:a16="http://schemas.microsoft.com/office/drawing/2014/main" id="{F5B18C7E-DB6D-1D46-9EE5-8922A60D9F49}"/>
+              </a:ext>
+            </a:extLst>
+          </p:cNvPr>
+          <p:cNvPicPr>
+            <a:picLocks noChangeAspect="1"/>
+          </p:cNvPicPr>
+          <p:nvPr/>
+        </p:nvPicPr>
+        <p:blipFill>
+          <a:blip r:embed="rId2"/>
+          <a:stretch>
+            <a:fillRect/>
+          </a:stretch>
+        </p:blipFill>
+        <p:spPr>
+          <a:xfrm>
+            <a:off x="723900" y="44450"/>
+            <a:ext cx="10744200" cy="6769100"/>
+          </a:xfrm>
+          <a:prstGeom prst="rect">
+            <a:avLst/>
+          </a:prstGeom>
+        </p:spPr>
+      </p:pic>
+    </p:spTree>
+    <p:extLst>
+      <p:ext uri="{BB962C8B-B14F-4D97-AF65-F5344CB8AC3E}">
+        <p14:creationId xmlns:p14="http://schemas.microsoft.com/office/powerpoint/2010/main" val="2299274208"/>
+      </p:ext>
+    </p:extLst>
+  </p:cSld>
+  <p:clrMapOvr>
+    <a:masterClrMapping/>
+  </p:clrMapOvr>
+</p:sld>
+</file>
+
+<file path=ppt/slides/slide4.xml><?xml version="1.0" encoding="utf-8"?>
+<p:sld xmlns:a="http://schemas.openxmlformats.org/drawingml/2006/main" xmlns:r="http://schemas.openxmlformats.org/officeDocument/2006/relationships" xmlns:p="http://schemas.openxmlformats.org/presentationml/2006/main">
+  <p:cSld>
+    <p:spTree>
+      <p:nvGrpSpPr>
+        <p:cNvPr id="1" name=""/>
+        <p:cNvGrpSpPr/>
+        <p:nvPr/>
+      </p:nvGrpSpPr>
+      <p:grpSpPr>
+        <a:xfrm>
+          <a:off x="0" y="0"/>
+          <a:ext cx="0" cy="0"/>
+          <a:chOff x="0" y="0"/>
+          <a:chExt cx="0" cy="0"/>
+        </a:xfrm>
+      </p:grpSpPr>
+      <p:pic>
+        <p:nvPicPr>
+          <p:cNvPr id="4" name="Picture 3">
+            <a:extLst>
+              <a:ext uri="{FF2B5EF4-FFF2-40B4-BE49-F238E27FC236}">
+                <a16:creationId xmlns:a16="http://schemas.microsoft.com/office/drawing/2014/main" id="{B64FC8CF-595A-1446-A518-03241CD9F50E}"/>
+              </a:ext>
+            </a:extLst>
+          </p:cNvPr>
+          <p:cNvPicPr>
+            <a:picLocks noChangeAspect="1"/>
+          </p:cNvPicPr>
+          <p:nvPr/>
+        </p:nvPicPr>
+        <p:blipFill>
+          <a:blip r:embed="rId2"/>
+          <a:stretch>
+            <a:fillRect/>
+          </a:stretch>
+        </p:blipFill>
+        <p:spPr>
+          <a:xfrm>
+            <a:off x="2857500" y="3162300"/>
+            <a:ext cx="6477000" cy="533400"/>
+          </a:xfrm>
+          <a:prstGeom prst="rect">
+            <a:avLst/>
+          </a:prstGeom>
+        </p:spPr>
+      </p:pic>
+      <p:sp>
+        <p:nvSpPr>
+          <p:cNvPr id="5" name="TextBox 4">
+            <a:extLst>
+              <a:ext uri="{FF2B5EF4-FFF2-40B4-BE49-F238E27FC236}">
+                <a16:creationId xmlns:a16="http://schemas.microsoft.com/office/drawing/2014/main" id="{5160C406-15DB-6E44-B5F9-871BB1863F86}"/>
+              </a:ext>
+            </a:extLst>
+          </p:cNvPr>
+          <p:cNvSpPr txBox="1"/>
+          <p:nvPr/>
+        </p:nvSpPr>
+        <p:spPr>
+          <a:xfrm>
+            <a:off x="1244600" y="2667000"/>
+            <a:ext cx="2401298" cy="369332"/>
+          </a:xfrm>
+          <a:prstGeom prst="rect">
+            <a:avLst/>
+          </a:prstGeom>
+          <a:noFill/>
+        </p:spPr>
+        <p:txBody>
+          <a:bodyPr wrap="none" rtlCol="0">
+            <a:spAutoFit/>
+          </a:bodyPr>
+          <a:lstStyle/>
+          <a:p>
+            <a:r>
+              <a:rPr lang="en-US"/>
+              <a:t>Var of Irreducible Error</a:t>
+            </a:r>
+          </a:p>
+        </p:txBody>
+      </p:sp>
+      <p:sp>
+        <p:nvSpPr>
+          <p:cNvPr id="6" name="TextBox 5">
+            <a:extLst>
+              <a:ext uri="{FF2B5EF4-FFF2-40B4-BE49-F238E27FC236}">
+                <a16:creationId xmlns:a16="http://schemas.microsoft.com/office/drawing/2014/main" id="{B17A3BFB-B221-B848-BD1F-FDC1791D6155}"/>
+              </a:ext>
+            </a:extLst>
+          </p:cNvPr>
+          <p:cNvSpPr txBox="1"/>
+          <p:nvPr/>
+        </p:nvSpPr>
+        <p:spPr>
+          <a:xfrm>
+            <a:off x="3962400" y="2667000"/>
+            <a:ext cx="1981633" cy="369332"/>
+          </a:xfrm>
+          <a:prstGeom prst="rect">
+            <a:avLst/>
+          </a:prstGeom>
+          <a:noFill/>
+        </p:spPr>
+        <p:txBody>
+          <a:bodyPr wrap="none" rtlCol="0">
+            <a:spAutoFit/>
+          </a:bodyPr>
+          <a:lstStyle/>
+          <a:p>
+            <a:r>
+              <a:rPr lang="en-US"/>
+              <a:t>Bias</a:t>
+            </a:r>
+            <a:r>
+              <a:rPr lang="en-US" baseline="30000"/>
+              <a:t>2</a:t>
+            </a:r>
+            <a:r>
+              <a:rPr lang="en-US"/>
+              <a:t> Of The Model</a:t>
+            </a:r>
+          </a:p>
+        </p:txBody>
+      </p:sp>
+      <p:sp>
+        <p:nvSpPr>
+          <p:cNvPr id="7" name="TextBox 6">
+            <a:extLst>
+              <a:ext uri="{FF2B5EF4-FFF2-40B4-BE49-F238E27FC236}">
+                <a16:creationId xmlns:a16="http://schemas.microsoft.com/office/drawing/2014/main" id="{8DE4FDB7-7867-0944-A12F-01145CC86628}"/>
+              </a:ext>
+            </a:extLst>
+          </p:cNvPr>
+          <p:cNvSpPr txBox="1"/>
+          <p:nvPr/>
+        </p:nvSpPr>
+        <p:spPr>
+          <a:xfrm>
+            <a:off x="6578169" y="2667000"/>
+            <a:ext cx="2332690" cy="369332"/>
+          </a:xfrm>
+          <a:prstGeom prst="rect">
+            <a:avLst/>
+          </a:prstGeom>
+          <a:noFill/>
+        </p:spPr>
+        <p:txBody>
+          <a:bodyPr wrap="none" rtlCol="0">
+            <a:spAutoFit/>
+          </a:bodyPr>
+          <a:lstStyle/>
+          <a:p>
+            <a:r>
+              <a:rPr lang="en-US"/>
+              <a:t>Variance Of The Model</a:t>
+            </a:r>
+          </a:p>
+        </p:txBody>
+      </p:sp>
+    </p:spTree>
+    <p:extLst>
+      <p:ext uri="{BB962C8B-B14F-4D97-AF65-F5344CB8AC3E}">
+        <p14:creationId xmlns:p14="http://schemas.microsoft.com/office/powerpoint/2010/main" val="2252041142"/>
       </p:ext>
     </p:extLst>
   </p:cSld>
